--- a/2017/misc/intro.pptx
+++ b/2017/misc/intro.pptx
@@ -5,22 +5,23 @@
     <p:sldMasterId id="2147483648" r:id="rId1"/>
   </p:sldMasterIdLst>
   <p:notesMasterIdLst>
-    <p:notesMasterId r:id="rId15"/>
+    <p:notesMasterId r:id="rId16"/>
   </p:notesMasterIdLst>
   <p:sldIdLst>
     <p:sldId id="256" r:id="rId2"/>
     <p:sldId id="258" r:id="rId3"/>
     <p:sldId id="266" r:id="rId4"/>
-    <p:sldId id="259" r:id="rId5"/>
-    <p:sldId id="260" r:id="rId6"/>
-    <p:sldId id="264" r:id="rId7"/>
-    <p:sldId id="261" r:id="rId8"/>
-    <p:sldId id="267" r:id="rId9"/>
-    <p:sldId id="269" r:id="rId10"/>
-    <p:sldId id="263" r:id="rId11"/>
-    <p:sldId id="265" r:id="rId12"/>
-    <p:sldId id="262" r:id="rId13"/>
-    <p:sldId id="270" r:id="rId14"/>
+    <p:sldId id="271" r:id="rId5"/>
+    <p:sldId id="259" r:id="rId6"/>
+    <p:sldId id="260" r:id="rId7"/>
+    <p:sldId id="264" r:id="rId8"/>
+    <p:sldId id="261" r:id="rId9"/>
+    <p:sldId id="267" r:id="rId10"/>
+    <p:sldId id="269" r:id="rId11"/>
+    <p:sldId id="263" r:id="rId12"/>
+    <p:sldId id="265" r:id="rId13"/>
+    <p:sldId id="262" r:id="rId14"/>
+    <p:sldId id="270" r:id="rId15"/>
   </p:sldIdLst>
   <p:sldSz cx="13004800" cy="9753600"/>
   <p:notesSz cx="6858000" cy="9144000"/>
@@ -2578,7 +2579,7 @@
           <a:p>
             <a:r>
               <a:rPr lang="en-US" dirty="0" smtClean="0"/>
-              <a:t>Code of conduct</a:t>
+              <a:t>slack</a:t>
             </a:r>
             <a:endParaRPr lang="en-US" dirty="0"/>
           </a:p>
@@ -2601,7 +2602,36 @@
           <a:p>
             <a:r>
               <a:rPr lang="en-US" dirty="0" smtClean="0"/>
-              <a:t>We are dedicated to creating a safe, respectful, and collegial learning environment for the benefit of everyone who attends. </a:t>
+              <a:t>hilt-</a:t>
+            </a:r>
+            <a:r>
+              <a:rPr lang="en-US" dirty="0" err="1" smtClean="0"/>
+              <a:t>institute</a:t>
+            </a:r>
+            <a:r>
+              <a:rPr lang="en-US" dirty="0" err="1" smtClean="0"/>
+              <a:t>.slack.com</a:t>
+            </a:r>
+            <a:endParaRPr lang="en-US" dirty="0" smtClean="0"/>
+          </a:p>
+          <a:p>
+            <a:r>
+              <a:rPr lang="en-US" dirty="0" smtClean="0"/>
+              <a:t>Another avenue for asking for help and sharing</a:t>
+            </a:r>
+          </a:p>
+          <a:p>
+            <a:r>
+              <a:rPr lang="en-US" dirty="0" smtClean="0"/>
+              <a:t>/</a:t>
+            </a:r>
+            <a:r>
+              <a:rPr lang="en-US" dirty="0" err="1" smtClean="0"/>
+              <a:t>giphy</a:t>
+            </a:r>
+            <a:r>
+              <a:rPr lang="en-US" dirty="0" smtClean="0"/>
+              <a:t> word</a:t>
             </a:r>
             <a:endParaRPr lang="en-US" dirty="0"/>
           </a:p>
@@ -2610,7 +2640,7 @@
     </p:spTree>
     <p:extLst>
       <p:ext uri="{BB962C8B-B14F-4D97-AF65-F5344CB8AC3E}">
-        <p14:creationId xmlns:p14="http://schemas.microsoft.com/office/powerpoint/2010/main" val="2729321658"/>
+        <p14:creationId xmlns:p14="http://schemas.microsoft.com/office/powerpoint/2010/main" val="459141670"/>
       </p:ext>
     </p:extLst>
   </p:cSld>
@@ -2655,7 +2685,7 @@
           <a:p>
             <a:r>
               <a:rPr lang="en-US" dirty="0" smtClean="0"/>
-              <a:t>Other Important Stuff</a:t>
+              <a:t>Code of conduct</a:t>
             </a:r>
             <a:endParaRPr lang="en-US" dirty="0"/>
           </a:p>
@@ -2678,6 +2708,83 @@
           <a:p>
             <a:r>
               <a:rPr lang="en-US" dirty="0" smtClean="0"/>
+              <a:t>We are dedicated to creating a safe, respectful, and collegial learning environment for the benefit of everyone who attends. </a:t>
+            </a:r>
+            <a:endParaRPr lang="en-US" dirty="0"/>
+          </a:p>
+        </p:txBody>
+      </p:sp>
+    </p:spTree>
+    <p:extLst>
+      <p:ext uri="{BB962C8B-B14F-4D97-AF65-F5344CB8AC3E}">
+        <p14:creationId xmlns:p14="http://schemas.microsoft.com/office/powerpoint/2010/main" val="2729321658"/>
+      </p:ext>
+    </p:extLst>
+  </p:cSld>
+  <p:clrMapOvr>
+    <a:masterClrMapping/>
+  </p:clrMapOvr>
+  <p:transition xmlns:p14="http://schemas.microsoft.com/office/powerpoint/2010/main" spd="med"/>
+</p:sld>
+</file>
+
+<file path=ppt/slides/slide12.xml><?xml version="1.0" encoding="utf-8"?>
+<p:sld xmlns:a="http://schemas.openxmlformats.org/drawingml/2006/main" xmlns:r="http://schemas.openxmlformats.org/officeDocument/2006/relationships" xmlns:p="http://schemas.openxmlformats.org/presentationml/2006/main">
+  <p:cSld>
+    <p:spTree>
+      <p:nvGrpSpPr>
+        <p:cNvPr id="1" name=""/>
+        <p:cNvGrpSpPr/>
+        <p:nvPr/>
+      </p:nvGrpSpPr>
+      <p:grpSpPr>
+        <a:xfrm>
+          <a:off x="0" y="0"/>
+          <a:ext cx="0" cy="0"/>
+          <a:chOff x="0" y="0"/>
+          <a:chExt cx="0" cy="0"/>
+        </a:xfrm>
+      </p:grpSpPr>
+      <p:sp>
+        <p:nvSpPr>
+          <p:cNvPr id="2" name="Title 1"/>
+          <p:cNvSpPr>
+            <a:spLocks noGrp="1"/>
+          </p:cNvSpPr>
+          <p:nvPr>
+            <p:ph type="title"/>
+          </p:nvPr>
+        </p:nvSpPr>
+        <p:spPr/>
+        <p:txBody>
+          <a:bodyPr/>
+          <a:lstStyle/>
+          <a:p>
+            <a:r>
+              <a:rPr lang="en-US" dirty="0" smtClean="0"/>
+              <a:t>Other Important Stuff</a:t>
+            </a:r>
+            <a:endParaRPr lang="en-US" dirty="0"/>
+          </a:p>
+        </p:txBody>
+      </p:sp>
+      <p:sp>
+        <p:nvSpPr>
+          <p:cNvPr id="3" name="Text Placeholder 2"/>
+          <p:cNvSpPr>
+            <a:spLocks noGrp="1"/>
+          </p:cNvSpPr>
+          <p:nvPr>
+            <p:ph type="body" idx="1"/>
+          </p:nvPr>
+        </p:nvSpPr>
+        <p:spPr/>
+        <p:txBody>
+          <a:bodyPr/>
+          <a:lstStyle/>
+          <a:p>
+            <a:r>
+              <a:rPr lang="en-US" dirty="0" smtClean="0"/>
               <a:t>Coffee</a:t>
             </a:r>
           </a:p>
@@ -2710,7 +2817,7 @@
 </p:sld>
 </file>
 
-<file path=ppt/slides/slide12.xml><?xml version="1.0" encoding="utf-8"?>
+<file path=ppt/slides/slide13.xml><?xml version="1.0" encoding="utf-8"?>
 <p:sld xmlns:a="http://schemas.openxmlformats.org/drawingml/2006/main" xmlns:r="http://schemas.openxmlformats.org/officeDocument/2006/relationships" xmlns:p="http://schemas.openxmlformats.org/presentationml/2006/main">
   <p:cSld>
     <p:spTree>
@@ -2862,15 +2969,7 @@
                   <a:srgbClr val="535353"/>
                 </a:solidFill>
               </a:rPr>
-              <a:t>What </a:t>
-            </a:r>
-            <a:r>
-              <a:rPr lang="en-US" sz="4300" dirty="0" smtClean="0">
-                <a:solidFill>
-                  <a:srgbClr val="535353"/>
-                </a:solidFill>
-              </a:rPr>
-              <a:t>is o</a:t>
+              <a:t>What is o</a:t>
             </a:r>
             <a:r>
               <a:rPr sz="4300" dirty="0" smtClean="0">
@@ -2921,7 +3020,7 @@
 </p:sld>
 </file>
 
-<file path=ppt/slides/slide13.xml><?xml version="1.0" encoding="utf-8"?>
+<file path=ppt/slides/slide14.xml><?xml version="1.0" encoding="utf-8"?>
 <p:sld xmlns:a="http://schemas.openxmlformats.org/drawingml/2006/main" xmlns:r="http://schemas.openxmlformats.org/officeDocument/2006/relationships" xmlns:p="http://schemas.openxmlformats.org/presentationml/2006/main">
   <p:cSld>
     <p:spTree>
@@ -3444,65 +3543,66 @@
           <a:chExt cx="0" cy="0"/>
         </a:xfrm>
       </p:grpSpPr>
-      <p:sp>
-        <p:nvSpPr>
-          <p:cNvPr id="44" name="Shape 44"/>
-          <p:cNvSpPr>
-            <a:spLocks noGrp="1"/>
-          </p:cNvSpPr>
-          <p:nvPr>
-            <p:ph type="title"/>
-          </p:nvPr>
-        </p:nvSpPr>
+      <p:pic>
+        <p:nvPicPr>
+          <p:cNvPr id="2" name="Picture 1" descr="IMG_5222.JPG"/>
+          <p:cNvPicPr>
+            <a:picLocks noChangeAspect="1"/>
+          </p:cNvPicPr>
+          <p:nvPr/>
+        </p:nvPicPr>
+        <p:blipFill>
+          <a:blip r:embed="rId2">
+            <a:extLst>
+              <a:ext uri="{28A0092B-C50C-407E-A947-70E740481C1C}">
+                <a14:useLocalDpi xmlns:a14="http://schemas.microsoft.com/office/drawing/2010/main" val="0"/>
+              </a:ext>
+            </a:extLst>
+          </a:blip>
+          <a:stretch>
+            <a:fillRect/>
+          </a:stretch>
+        </p:blipFill>
         <p:spPr>
+          <a:xfrm rot="5400000">
+            <a:off x="-2167466" y="-2570436"/>
+            <a:ext cx="17339733" cy="13004800"/>
+          </a:xfrm>
           <a:prstGeom prst="rect">
             <a:avLst/>
           </a:prstGeom>
         </p:spPr>
-        <p:txBody>
-          <a:bodyPr/>
-          <a:lstStyle/>
-          <a:p>
-            <a:pPr lvl="0">
-              <a:defRPr sz="1800" cap="none">
-                <a:solidFill>
-                  <a:srgbClr val="000000"/>
-                </a:solidFill>
-              </a:defRPr>
-            </a:pPr>
-            <a:r>
-              <a:rPr sz="7200" cap="all">
-                <a:solidFill>
-                  <a:srgbClr val="535353"/>
-                </a:solidFill>
-              </a:rPr>
-              <a:t>Week’s Trajectory</a:t>
-            </a:r>
-          </a:p>
-        </p:txBody>
-      </p:sp>
+      </p:pic>
       <p:sp>
         <p:nvSpPr>
-          <p:cNvPr id="45" name="Shape 45"/>
-          <p:cNvSpPr>
-            <a:spLocks noGrp="1"/>
-          </p:cNvSpPr>
-          <p:nvPr>
-            <p:ph type="body" idx="1"/>
-          </p:nvPr>
+          <p:cNvPr id="3" name="Shape 42"/>
+          <p:cNvSpPr/>
+          <p:nvPr/>
         </p:nvSpPr>
         <p:spPr>
+          <a:xfrm>
+            <a:off x="6437011" y="52560"/>
+            <a:ext cx="6567790" cy="2215991"/>
+          </a:xfrm>
           <a:prstGeom prst="rect">
             <a:avLst/>
           </a:prstGeom>
+          <a:ln w="12700">
+            <a:miter lim="400000"/>
+          </a:ln>
+          <a:extLst>
+            <a:ext uri="{C572A759-6A51-4108-AA02-DFA0A04FC94B}">
+              <ma14:wrappingTextBoxFlag xmlns:ma14="http://schemas.microsoft.com/office/mac/drawingml/2011/main" val="1"/>
+            </a:ext>
+          </a:extLst>
         </p:spPr>
         <p:txBody>
-          <a:bodyPr>
-            <a:normAutofit fontScale="92500" lnSpcReduction="20000"/>
+          <a:bodyPr wrap="square" lIns="0" tIns="0" rIns="0" bIns="0" anchor="ctr">
+            <a:spAutoFit/>
           </a:bodyPr>
           <a:lstStyle/>
           <a:p>
-            <a:pPr lvl="0">
+            <a:pPr lvl="0" algn="l">
               <a:defRPr sz="1800">
                 <a:solidFill>
                   <a:srgbClr val="000000"/>
@@ -3510,16 +3610,80 @@
               </a:defRPr>
             </a:pPr>
             <a:r>
-              <a:rPr sz="4600" dirty="0">
-                <a:solidFill>
-                  <a:srgbClr val="535353"/>
-                </a:solidFill>
-              </a:rPr>
-              <a:t>Introduce the command line</a:t>
-            </a:r>
-          </a:p>
-          <a:p>
-            <a:pPr lvl="0">
+              <a:rPr lang="en-US" sz="7200" dirty="0" err="1" smtClean="0">
+                <a:solidFill>
+                  <a:schemeClr val="bg2">
+                    <a:lumMod val="20000"/>
+                    <a:lumOff val="80000"/>
+                  </a:schemeClr>
+                </a:solidFill>
+                <a:latin typeface="Yanone Kaffeesatz Regular"/>
+                <a:ea typeface="Yanone Kaffeesatz Regular"/>
+                <a:cs typeface="Yanone Kaffeesatz Regular"/>
+                <a:sym typeface="Yanone Kaffeesatz Regular"/>
+              </a:rPr>
+              <a:t>GitHub</a:t>
+            </a:r>
+            <a:r>
+              <a:rPr lang="en-US" sz="7200" dirty="0" smtClean="0">
+                <a:solidFill>
+                  <a:schemeClr val="bg2">
+                    <a:lumMod val="20000"/>
+                    <a:lumOff val="80000"/>
+                  </a:schemeClr>
+                </a:solidFill>
+                <a:latin typeface="Yanone Kaffeesatz Regular"/>
+                <a:ea typeface="Yanone Kaffeesatz Regular"/>
+                <a:cs typeface="Yanone Kaffeesatz Regular"/>
+                <a:sym typeface="Yanone Kaffeesatz Regular"/>
+              </a:rPr>
+              <a:t>:</a:t>
+            </a:r>
+            <a:r>
+              <a:rPr sz="7200" dirty="0" smtClean="0">
+                <a:solidFill>
+                  <a:schemeClr val="bg2">
+                    <a:lumMod val="20000"/>
+                    <a:lumOff val="80000"/>
+                  </a:schemeClr>
+                </a:solidFill>
+                <a:latin typeface="Yanone Kaffeesatz Regular"/>
+                <a:ea typeface="Yanone Kaffeesatz Regular"/>
+                <a:cs typeface="Yanone Kaffeesatz Regular"/>
+                <a:sym typeface="Yanone Kaffeesatz Regular"/>
+              </a:rPr>
+              <a:t> </a:t>
+            </a:r>
+            <a:r>
+              <a:rPr lang="en-US" sz="7200" dirty="0" smtClean="0">
+                <a:solidFill>
+                  <a:schemeClr val="bg2">
+                    <a:lumMod val="20000"/>
+                    <a:lumOff val="80000"/>
+                  </a:schemeClr>
+                </a:solidFill>
+                <a:latin typeface="Yanone Kaffeesatz Regular"/>
+                <a:ea typeface="Yanone Kaffeesatz Regular"/>
+                <a:cs typeface="Yanone Kaffeesatz Regular"/>
+                <a:sym typeface="Yanone Kaffeesatz Regular"/>
+              </a:rPr>
+              <a:t>@tony</a:t>
+            </a:r>
+            <a:endParaRPr sz="7200" dirty="0">
+              <a:solidFill>
+                <a:schemeClr val="bg2">
+                  <a:lumMod val="20000"/>
+                  <a:lumOff val="80000"/>
+                </a:schemeClr>
+              </a:solidFill>
+              <a:latin typeface="Helvetica Light"/>
+              <a:ea typeface="Helvetica Light"/>
+              <a:cs typeface="Helvetica Light"/>
+              <a:sym typeface="Helvetica Light"/>
+            </a:endParaRPr>
+          </a:p>
+          <a:p>
+            <a:pPr lvl="0" algn="l">
               <a:defRPr sz="1800">
                 <a:solidFill>
                   <a:srgbClr val="000000"/>
@@ -3527,122 +3691,61 @@
               </a:defRPr>
             </a:pPr>
             <a:r>
-              <a:rPr sz="4600" dirty="0">
-                <a:solidFill>
-                  <a:srgbClr val="535353"/>
-                </a:solidFill>
-              </a:rPr>
-              <a:t>Introduce source code management</a:t>
-            </a:r>
-          </a:p>
-          <a:p>
-            <a:pPr lvl="0">
-              <a:defRPr sz="1800">
-                <a:solidFill>
-                  <a:srgbClr val="000000"/>
-                </a:solidFill>
-              </a:defRPr>
-            </a:pPr>
-            <a:r>
-              <a:rPr sz="4600" dirty="0">
-                <a:solidFill>
-                  <a:srgbClr val="535353"/>
-                </a:solidFill>
-              </a:rPr>
-              <a:t>Review basics of HTML</a:t>
-            </a:r>
-          </a:p>
-          <a:p>
-            <a:pPr lvl="0">
-              <a:defRPr sz="1800">
-                <a:solidFill>
-                  <a:srgbClr val="000000"/>
-                </a:solidFill>
-              </a:defRPr>
-            </a:pPr>
-            <a:r>
-              <a:rPr sz="4600" dirty="0">
-                <a:solidFill>
-                  <a:srgbClr val="535353"/>
-                </a:solidFill>
-              </a:rPr>
-              <a:t>Introduce programming </a:t>
-            </a:r>
-            <a:r>
-              <a:rPr sz="4600" dirty="0" smtClean="0">
-                <a:solidFill>
-                  <a:srgbClr val="535353"/>
-                </a:solidFill>
-              </a:rPr>
-              <a:t>concepts</a:t>
-            </a:r>
-            <a:r>
-              <a:rPr lang="en-US" sz="4600" dirty="0" smtClean="0">
-                <a:solidFill>
-                  <a:srgbClr val="535353"/>
-                </a:solidFill>
-              </a:rPr>
-              <a:t> w/ Python</a:t>
-            </a:r>
-            <a:endParaRPr sz="4600" dirty="0">
+              <a:rPr sz="7200" dirty="0" smtClean="0">
+                <a:solidFill>
+                  <a:schemeClr val="bg2">
+                    <a:lumMod val="20000"/>
+                    <a:lumOff val="80000"/>
+                  </a:schemeClr>
+                </a:solidFill>
+                <a:latin typeface="Yanone Kaffeesatz Regular"/>
+                <a:ea typeface="Yanone Kaffeesatz Regular"/>
+                <a:cs typeface="Yanone Kaffeesatz Regular"/>
+                <a:sym typeface="Yanone Kaffeesatz Regular"/>
+              </a:rPr>
+              <a:t>@</a:t>
+            </a:r>
+            <a:r>
+              <a:rPr lang="en-US" sz="7200" dirty="0" smtClean="0">
+                <a:solidFill>
+                  <a:schemeClr val="bg2">
+                    <a:lumMod val="20000"/>
+                    <a:lumOff val="80000"/>
+                  </a:schemeClr>
+                </a:solidFill>
+                <a:latin typeface="Yanone Kaffeesatz Regular"/>
+                <a:ea typeface="Yanone Kaffeesatz Regular"/>
+                <a:cs typeface="Yanone Kaffeesatz Regular"/>
+                <a:sym typeface="Yanone Kaffeesatz Regular"/>
+              </a:rPr>
+              <a:t>thecat</a:t>
+            </a:r>
+            <a:endParaRPr sz="7200" dirty="0">
               <a:solidFill>
-                <a:srgbClr val="535353"/>
+                <a:schemeClr val="bg2">
+                  <a:lumMod val="20000"/>
+                  <a:lumOff val="80000"/>
+                </a:schemeClr>
               </a:solidFill>
-            </a:endParaRPr>
-          </a:p>
-          <a:p>
-            <a:pPr lvl="0">
-              <a:defRPr sz="1800">
-                <a:solidFill>
-                  <a:srgbClr val="000000"/>
-                </a:solidFill>
-              </a:defRPr>
-            </a:pPr>
-            <a:r>
-              <a:rPr lang="en-US" sz="4600" dirty="0" smtClean="0">
-                <a:solidFill>
-                  <a:srgbClr val="535353"/>
-                </a:solidFill>
-              </a:rPr>
-              <a:t>Practice Python w/ real-life data acquiring, </a:t>
-            </a:r>
-            <a:r>
-              <a:rPr lang="en-US" sz="4600" dirty="0" err="1" smtClean="0">
-                <a:solidFill>
-                  <a:srgbClr val="535353"/>
-                </a:solidFill>
-              </a:rPr>
-              <a:t>munging</a:t>
-            </a:r>
-            <a:r>
-              <a:rPr lang="en-US" sz="4600" dirty="0" smtClean="0">
-                <a:solidFill>
-                  <a:srgbClr val="535353"/>
-                </a:solidFill>
-              </a:rPr>
-              <a:t>, and analysis</a:t>
-            </a:r>
-            <a:endParaRPr sz="4600" dirty="0">
-              <a:solidFill>
-                <a:srgbClr val="535353"/>
-              </a:solidFill>
+              <a:latin typeface="Yanone Kaffeesatz Regular"/>
+              <a:ea typeface="Yanone Kaffeesatz Regular"/>
+              <a:cs typeface="Yanone Kaffeesatz Regular"/>
+              <a:sym typeface="Yanone Kaffeesatz Regular"/>
             </a:endParaRPr>
           </a:p>
         </p:txBody>
       </p:sp>
     </p:spTree>
+    <p:extLst>
+      <p:ext uri="{BB962C8B-B14F-4D97-AF65-F5344CB8AC3E}">
+        <p14:creationId xmlns:p14="http://schemas.microsoft.com/office/powerpoint/2010/main" val="2752608907"/>
+      </p:ext>
+    </p:extLst>
   </p:cSld>
   <p:clrMapOvr>
     <a:masterClrMapping/>
   </p:clrMapOvr>
   <p:transition xmlns:p14="http://schemas.microsoft.com/office/powerpoint/2010/main" spd="med"/>
-  <p:timing>
-    <p:tnLst>
-      <p:par>
-        <p:cTn xmlns:p14="http://schemas.microsoft.com/office/powerpoint/2010/main" id="1" dur="indefinite" restart="never" nodeType="tmRoot"/>
-      </p:par>
-    </p:tnLst>
-  </p:timing>
 </p:sld>
 </file>
 
@@ -3665,7 +3768,7 @@
       </p:grpSpPr>
       <p:sp>
         <p:nvSpPr>
-          <p:cNvPr id="47" name="Shape 47"/>
+          <p:cNvPr id="44" name="Shape 44"/>
           <p:cNvSpPr>
             <a:spLocks noGrp="1"/>
           </p:cNvSpPr>
@@ -3695,14 +3798,14 @@
                   <a:srgbClr val="535353"/>
                 </a:solidFill>
               </a:rPr>
-              <a:t>What to expect</a:t>
+              <a:t>Week’s Trajectory</a:t>
             </a:r>
           </a:p>
         </p:txBody>
       </p:sp>
       <p:sp>
         <p:nvSpPr>
-          <p:cNvPr id="48" name="Shape 48"/>
+          <p:cNvPr id="45" name="Shape 45"/>
           <p:cNvSpPr>
             <a:spLocks noGrp="1"/>
           </p:cNvSpPr>
@@ -3716,7 +3819,9 @@
           </a:prstGeom>
         </p:spPr>
         <p:txBody>
-          <a:bodyPr/>
+          <a:bodyPr>
+            <a:normAutofit lnSpcReduction="10000"/>
+          </a:bodyPr>
           <a:lstStyle/>
           <a:p>
             <a:pPr lvl="0">
@@ -3732,7 +3837,7 @@
                   <a:srgbClr val="535353"/>
                 </a:solidFill>
               </a:rPr>
-              <a:t>Lots of hands-on activities</a:t>
+              <a:t>Introduce the command line</a:t>
             </a:r>
           </a:p>
           <a:p>
@@ -3749,7 +3854,7 @@
                   <a:srgbClr val="535353"/>
                 </a:solidFill>
               </a:rPr>
-              <a:t>Lots of new concepts</a:t>
+              <a:t>Introduce source code management</a:t>
             </a:r>
           </a:p>
           <a:p>
@@ -3766,7 +3871,7 @@
                   <a:srgbClr val="535353"/>
                 </a:solidFill>
               </a:rPr>
-              <a:t>Humorous pictures</a:t>
+              <a:t>Review basics of HTML</a:t>
             </a:r>
           </a:p>
           <a:p>
@@ -3783,15 +3888,7 @@
                   <a:srgbClr val="535353"/>
                 </a:solidFill>
               </a:rPr>
-              <a:t>Your brain </a:t>
-            </a:r>
-            <a:r>
-              <a:rPr lang="en-US" sz="4600" b="1" i="1" dirty="0" smtClean="0">
-                <a:solidFill>
-                  <a:srgbClr val="535353"/>
-                </a:solidFill>
-              </a:rPr>
-              <a:t>will </a:t>
+              <a:t>Introduce programming </a:t>
             </a:r>
             <a:r>
               <a:rPr sz="4600" dirty="0" smtClean="0">
@@ -3799,16 +3896,43 @@
                   <a:srgbClr val="535353"/>
                 </a:solidFill>
               </a:rPr>
-              <a:t>hurt </a:t>
-            </a:r>
-            <a:r>
-              <a:rPr sz="4600" dirty="0">
-                <a:solidFill>
-                  <a:srgbClr val="535353"/>
-                </a:solidFill>
-              </a:rPr>
-              <a:t>at some point</a:t>
-            </a:r>
+              <a:t>concepts</a:t>
+            </a:r>
+            <a:r>
+              <a:rPr lang="en-US" sz="4600" dirty="0" smtClean="0">
+                <a:solidFill>
+                  <a:srgbClr val="535353"/>
+                </a:solidFill>
+              </a:rPr>
+              <a:t> w/ Python</a:t>
+            </a:r>
+            <a:endParaRPr sz="4600" dirty="0">
+              <a:solidFill>
+                <a:srgbClr val="535353"/>
+              </a:solidFill>
+            </a:endParaRPr>
+          </a:p>
+          <a:p>
+            <a:pPr lvl="0">
+              <a:defRPr sz="1800">
+                <a:solidFill>
+                  <a:srgbClr val="000000"/>
+                </a:solidFill>
+              </a:defRPr>
+            </a:pPr>
+            <a:r>
+              <a:rPr lang="en-US" sz="4600" dirty="0" smtClean="0">
+                <a:solidFill>
+                  <a:srgbClr val="535353"/>
+                </a:solidFill>
+              </a:rPr>
+              <a:t>Apply Python to real-life DH situations</a:t>
+            </a:r>
+            <a:endParaRPr sz="4600" dirty="0">
+              <a:solidFill>
+                <a:srgbClr val="535353"/>
+              </a:solidFill>
+            </a:endParaRPr>
           </a:p>
         </p:txBody>
       </p:sp>
@@ -3847,7 +3971,7 @@
       </p:grpSpPr>
       <p:sp>
         <p:nvSpPr>
-          <p:cNvPr id="2" name="Title 1"/>
+          <p:cNvPr id="47" name="Shape 47"/>
           <p:cNvSpPr>
             <a:spLocks noGrp="1"/>
           </p:cNvSpPr>
@@ -3855,22 +3979,36 @@
             <p:ph type="title"/>
           </p:nvPr>
         </p:nvSpPr>
-        <p:spPr/>
+        <p:spPr>
+          <a:prstGeom prst="rect">
+            <a:avLst/>
+          </a:prstGeom>
+        </p:spPr>
         <p:txBody>
           <a:bodyPr/>
           <a:lstStyle/>
           <a:p>
-            <a:r>
-              <a:rPr lang="en-US" dirty="0" smtClean="0"/>
-              <a:t>No Seriously…</a:t>
-            </a:r>
-            <a:endParaRPr lang="en-US" dirty="0"/>
+            <a:pPr lvl="0">
+              <a:defRPr sz="1800" cap="none">
+                <a:solidFill>
+                  <a:srgbClr val="000000"/>
+                </a:solidFill>
+              </a:defRPr>
+            </a:pPr>
+            <a:r>
+              <a:rPr sz="7200" cap="all">
+                <a:solidFill>
+                  <a:srgbClr val="535353"/>
+                </a:solidFill>
+              </a:rPr>
+              <a:t>What to expect</a:t>
+            </a:r>
           </a:p>
         </p:txBody>
       </p:sp>
       <p:sp>
         <p:nvSpPr>
-          <p:cNvPr id="3" name="Text Placeholder 2"/>
+          <p:cNvPr id="48" name="Shape 48"/>
           <p:cNvSpPr>
             <a:spLocks noGrp="1"/>
           </p:cNvSpPr>
@@ -3878,61 +4016,109 @@
             <p:ph type="body" idx="1"/>
           </p:nvPr>
         </p:nvSpPr>
-        <p:spPr/>
+        <p:spPr>
+          <a:prstGeom prst="rect">
+            <a:avLst/>
+          </a:prstGeom>
+        </p:spPr>
         <p:txBody>
           <a:bodyPr/>
           <a:lstStyle/>
           <a:p>
-            <a:r>
-              <a:rPr lang="en-US" dirty="0" smtClean="0"/>
-              <a:t>Take a walk</a:t>
-            </a:r>
-          </a:p>
-          <a:p>
-            <a:r>
-              <a:rPr lang="en-US" dirty="0" smtClean="0"/>
-              <a:t>Browse </a:t>
-            </a:r>
-            <a:r>
-              <a:rPr lang="en-US" dirty="0" err="1" smtClean="0"/>
-              <a:t>reddit</a:t>
-            </a:r>
-            <a:r>
-              <a:rPr lang="en-US" dirty="0"/>
-              <a:t> </a:t>
-            </a:r>
-            <a:r>
-              <a:rPr lang="en-US" dirty="0" smtClean="0"/>
-              <a:t>(/r/</a:t>
-            </a:r>
-            <a:r>
-              <a:rPr lang="en-US" dirty="0" err="1" smtClean="0"/>
-              <a:t>aww</a:t>
-            </a:r>
-            <a:r>
-              <a:rPr lang="en-US" dirty="0" smtClean="0"/>
-              <a:t>)</a:t>
-            </a:r>
-          </a:p>
-          <a:p>
-            <a:r>
-              <a:rPr lang="en-US" dirty="0" smtClean="0"/>
-              <a:t>Play a game</a:t>
-            </a:r>
-            <a:r>
-              <a:rPr lang="en-US" dirty="0" smtClean="0"/>
-              <a:t>…36 questions to fall in love is Brandon’s favorite.</a:t>
-            </a:r>
-            <a:endParaRPr lang="en-US" dirty="0"/>
+            <a:pPr lvl="0">
+              <a:defRPr sz="1800">
+                <a:solidFill>
+                  <a:srgbClr val="000000"/>
+                </a:solidFill>
+              </a:defRPr>
+            </a:pPr>
+            <a:r>
+              <a:rPr sz="4600" dirty="0">
+                <a:solidFill>
+                  <a:srgbClr val="535353"/>
+                </a:solidFill>
+              </a:rPr>
+              <a:t>Lots of hands-on activities</a:t>
+            </a:r>
+          </a:p>
+          <a:p>
+            <a:pPr lvl="0">
+              <a:defRPr sz="1800">
+                <a:solidFill>
+                  <a:srgbClr val="000000"/>
+                </a:solidFill>
+              </a:defRPr>
+            </a:pPr>
+            <a:r>
+              <a:rPr sz="4600" dirty="0">
+                <a:solidFill>
+                  <a:srgbClr val="535353"/>
+                </a:solidFill>
+              </a:rPr>
+              <a:t>Lots of new concepts</a:t>
+            </a:r>
+          </a:p>
+          <a:p>
+            <a:pPr lvl="0">
+              <a:defRPr sz="1800">
+                <a:solidFill>
+                  <a:srgbClr val="000000"/>
+                </a:solidFill>
+              </a:defRPr>
+            </a:pPr>
+            <a:r>
+              <a:rPr sz="4600" dirty="0">
+                <a:solidFill>
+                  <a:srgbClr val="535353"/>
+                </a:solidFill>
+              </a:rPr>
+              <a:t>Humorous pictures</a:t>
+            </a:r>
+          </a:p>
+          <a:p>
+            <a:pPr lvl="0">
+              <a:defRPr sz="1800">
+                <a:solidFill>
+                  <a:srgbClr val="000000"/>
+                </a:solidFill>
+              </a:defRPr>
+            </a:pPr>
+            <a:r>
+              <a:rPr sz="4600" dirty="0">
+                <a:solidFill>
+                  <a:srgbClr val="535353"/>
+                </a:solidFill>
+              </a:rPr>
+              <a:t>Your brain </a:t>
+            </a:r>
+            <a:r>
+              <a:rPr lang="en-US" sz="4600" b="1" i="1" dirty="0" smtClean="0">
+                <a:solidFill>
+                  <a:srgbClr val="535353"/>
+                </a:solidFill>
+              </a:rPr>
+              <a:t>will </a:t>
+            </a:r>
+            <a:r>
+              <a:rPr sz="4600" dirty="0" smtClean="0">
+                <a:solidFill>
+                  <a:srgbClr val="535353"/>
+                </a:solidFill>
+              </a:rPr>
+              <a:t>hurt </a:t>
+            </a:r>
+            <a:r>
+              <a:rPr sz="4600" dirty="0">
+                <a:solidFill>
+                  <a:srgbClr val="535353"/>
+                </a:solidFill>
+              </a:rPr>
+              <a:t>at some point</a:t>
+            </a:r>
           </a:p>
         </p:txBody>
       </p:sp>
     </p:spTree>
-    <p:extLst>
-      <p:ext uri="{BB962C8B-B14F-4D97-AF65-F5344CB8AC3E}">
-        <p14:creationId xmlns:p14="http://schemas.microsoft.com/office/powerpoint/2010/main" val="747440101"/>
-      </p:ext>
-    </p:extLst>
   </p:cSld>
   <p:clrMapOvr>
     <a:masterClrMapping/>
@@ -3967,7 +4153,7 @@
       </p:grpSpPr>
       <p:sp>
         <p:nvSpPr>
-          <p:cNvPr id="50" name="Shape 50"/>
+          <p:cNvPr id="2" name="Title 1"/>
           <p:cNvSpPr>
             <a:spLocks noGrp="1"/>
           </p:cNvSpPr>
@@ -3975,36 +4161,22 @@
             <p:ph type="title"/>
           </p:nvPr>
         </p:nvSpPr>
-        <p:spPr>
-          <a:prstGeom prst="rect">
-            <a:avLst/>
-          </a:prstGeom>
-        </p:spPr>
+        <p:spPr/>
         <p:txBody>
           <a:bodyPr/>
           <a:lstStyle/>
           <a:p>
-            <a:pPr lvl="0">
-              <a:defRPr sz="1800" cap="none">
-                <a:solidFill>
-                  <a:srgbClr val="000000"/>
-                </a:solidFill>
-              </a:defRPr>
-            </a:pPr>
-            <a:r>
-              <a:rPr sz="7200" cap="all">
-                <a:solidFill>
-                  <a:srgbClr val="535353"/>
-                </a:solidFill>
-              </a:rPr>
-              <a:t>Ground Rules</a:t>
-            </a:r>
+            <a:r>
+              <a:rPr lang="en-US" dirty="0" smtClean="0"/>
+              <a:t>No Seriously…</a:t>
+            </a:r>
+            <a:endParaRPr lang="en-US" dirty="0"/>
           </a:p>
         </p:txBody>
       </p:sp>
       <p:sp>
         <p:nvSpPr>
-          <p:cNvPr id="51" name="Shape 51"/>
+          <p:cNvPr id="3" name="Text Placeholder 2"/>
           <p:cNvSpPr>
             <a:spLocks noGrp="1"/>
           </p:cNvSpPr>
@@ -4012,97 +4184,61 @@
             <p:ph type="body" idx="1"/>
           </p:nvPr>
         </p:nvSpPr>
-        <p:spPr>
-          <a:prstGeom prst="rect">
-            <a:avLst/>
-          </a:prstGeom>
-        </p:spPr>
+        <p:spPr/>
         <p:txBody>
           <a:bodyPr/>
           <a:lstStyle/>
           <a:p>
-            <a:pPr lvl="0">
-              <a:defRPr sz="1800">
-                <a:solidFill>
-                  <a:srgbClr val="000000"/>
-                </a:solidFill>
-              </a:defRPr>
-            </a:pPr>
-            <a:r>
-              <a:rPr sz="4600" dirty="0">
-                <a:solidFill>
-                  <a:srgbClr val="535353"/>
-                </a:solidFill>
-              </a:rPr>
-              <a:t>Asking questions is a “super power”</a:t>
-            </a:r>
-          </a:p>
-          <a:p>
-            <a:pPr lvl="0">
-              <a:defRPr sz="1800">
-                <a:solidFill>
-                  <a:srgbClr val="000000"/>
-                </a:solidFill>
-              </a:defRPr>
-            </a:pPr>
-            <a:r>
-              <a:rPr sz="4600" dirty="0">
-                <a:solidFill>
-                  <a:srgbClr val="535353"/>
-                </a:solidFill>
-              </a:rPr>
-              <a:t>If you need a mental (or other break), take one</a:t>
-            </a:r>
-          </a:p>
-          <a:p>
-            <a:pPr lvl="0">
-              <a:defRPr sz="1800">
-                <a:solidFill>
-                  <a:srgbClr val="000000"/>
-                </a:solidFill>
-              </a:defRPr>
-            </a:pPr>
-            <a:r>
-              <a:rPr lang="en-US" sz="4600" dirty="0" smtClean="0">
-                <a:solidFill>
-                  <a:srgbClr val="535353"/>
-                </a:solidFill>
-              </a:rPr>
-              <a:t>Writing software </a:t>
-            </a:r>
-            <a:r>
-              <a:rPr sz="4600" dirty="0" smtClean="0">
-                <a:solidFill>
-                  <a:srgbClr val="535353"/>
-                </a:solidFill>
-              </a:rPr>
-              <a:t>is </a:t>
-            </a:r>
-            <a:r>
-              <a:rPr sz="4600" dirty="0">
-                <a:solidFill>
-                  <a:srgbClr val="535353"/>
-                </a:solidFill>
-              </a:rPr>
-              <a:t>a </a:t>
-            </a:r>
-            <a:r>
-              <a:rPr lang="en-US" sz="4600" dirty="0" smtClean="0">
-                <a:solidFill>
-                  <a:srgbClr val="535353"/>
-                </a:solidFill>
-              </a:rPr>
-              <a:t>collaborative endeavor</a:t>
-            </a:r>
-            <a:endParaRPr sz="4600" dirty="0">
-              <a:solidFill>
-                <a:srgbClr val="535353"/>
-              </a:solidFill>
-            </a:endParaRPr>
+            <a:r>
+              <a:rPr lang="en-US" dirty="0" smtClean="0"/>
+              <a:t>Take a walk</a:t>
+            </a:r>
+          </a:p>
+          <a:p>
+            <a:r>
+              <a:rPr lang="en-US" dirty="0" smtClean="0"/>
+              <a:t>Browse </a:t>
+            </a:r>
+            <a:r>
+              <a:rPr lang="en-US" dirty="0" err="1" smtClean="0"/>
+              <a:t>reddit</a:t>
+            </a:r>
+            <a:r>
+              <a:rPr lang="en-US" dirty="0"/>
+              <a:t> </a:t>
+            </a:r>
+            <a:r>
+              <a:rPr lang="en-US" dirty="0" smtClean="0"/>
+              <a:t>(/r/</a:t>
+            </a:r>
+            <a:r>
+              <a:rPr lang="en-US" dirty="0" err="1" smtClean="0"/>
+              <a:t>aww</a:t>
+            </a:r>
+            <a:r>
+              <a:rPr lang="en-US" dirty="0" smtClean="0"/>
+              <a:t>)</a:t>
+            </a:r>
+          </a:p>
+          <a:p>
+            <a:r>
+              <a:rPr lang="en-US" dirty="0" smtClean="0"/>
+              <a:t>Play a game</a:t>
+            </a:r>
+            <a:r>
+              <a:rPr lang="en-US" dirty="0" smtClean="0"/>
+              <a:t>…Brandon loves icebreakers</a:t>
+            </a:r>
+            <a:endParaRPr lang="en-US" dirty="0"/>
           </a:p>
         </p:txBody>
       </p:sp>
     </p:spTree>
+    <p:extLst>
+      <p:ext uri="{BB962C8B-B14F-4D97-AF65-F5344CB8AC3E}">
+        <p14:creationId xmlns:p14="http://schemas.microsoft.com/office/powerpoint/2010/main" val="747440101"/>
+      </p:ext>
+    </p:extLst>
   </p:cSld>
   <p:clrMapOvr>
     <a:masterClrMapping/>
@@ -4162,18 +4298,13 @@
               </a:defRPr>
             </a:pPr>
             <a:r>
-              <a:rPr lang="en-US" sz="7200" cap="all" dirty="0" smtClean="0">
-                <a:solidFill>
-                  <a:srgbClr val="535353"/>
-                </a:solidFill>
-              </a:rPr>
-              <a:t>Post-it Notes</a:t>
-            </a:r>
-            <a:endParaRPr sz="7200" cap="all" dirty="0">
-              <a:solidFill>
-                <a:srgbClr val="535353"/>
-              </a:solidFill>
-            </a:endParaRPr>
+              <a:rPr sz="7200" cap="all">
+                <a:solidFill>
+                  <a:srgbClr val="535353"/>
+                </a:solidFill>
+              </a:rPr>
+              <a:t>Ground Rules</a:t>
+            </a:r>
           </a:p>
         </p:txBody>
       </p:sp>
@@ -4193,15 +4324,10 @@
           </a:prstGeom>
         </p:spPr>
         <p:txBody>
-          <a:bodyPr>
-            <a:noAutofit/>
-          </a:bodyPr>
+          <a:bodyPr/>
           <a:lstStyle/>
           <a:p>
             <a:pPr lvl="0">
-              <a:lnSpc>
-                <a:spcPct val="90000"/>
-              </a:lnSpc>
               <a:defRPr sz="1800">
                 <a:solidFill>
                   <a:srgbClr val="000000"/>
@@ -4209,175 +4335,80 @@
               </a:defRPr>
             </a:pPr>
             <a:r>
-              <a:rPr lang="en-US" sz="3600" dirty="0" smtClean="0">
-                <a:solidFill>
-                  <a:schemeClr val="tx1">
-                    <a:lumMod val="50000"/>
-                  </a:schemeClr>
-                </a:solidFill>
-              </a:rPr>
-              <a:t>All have three colors: Green, Red, White</a:t>
-            </a:r>
-            <a:endParaRPr sz="3600" dirty="0">
+              <a:rPr sz="4600" dirty="0">
+                <a:solidFill>
+                  <a:srgbClr val="535353"/>
+                </a:solidFill>
+              </a:rPr>
+              <a:t>Asking questions is a “super power”</a:t>
+            </a:r>
+          </a:p>
+          <a:p>
+            <a:pPr lvl="0">
+              <a:defRPr sz="1800">
+                <a:solidFill>
+                  <a:srgbClr val="000000"/>
+                </a:solidFill>
+              </a:defRPr>
+            </a:pPr>
+            <a:r>
+              <a:rPr sz="4600" dirty="0">
+                <a:solidFill>
+                  <a:srgbClr val="535353"/>
+                </a:solidFill>
+              </a:rPr>
+              <a:t>If you need a mental (or other break), take one</a:t>
+            </a:r>
+          </a:p>
+          <a:p>
+            <a:pPr lvl="0">
+              <a:defRPr sz="1800">
+                <a:solidFill>
+                  <a:srgbClr val="000000"/>
+                </a:solidFill>
+              </a:defRPr>
+            </a:pPr>
+            <a:r>
+              <a:rPr lang="en-US" sz="4600" dirty="0" smtClean="0">
+                <a:solidFill>
+                  <a:srgbClr val="535353"/>
+                </a:solidFill>
+              </a:rPr>
+              <a:t>Writing software </a:t>
+            </a:r>
+            <a:r>
+              <a:rPr sz="4600" dirty="0" smtClean="0">
+                <a:solidFill>
+                  <a:srgbClr val="535353"/>
+                </a:solidFill>
+              </a:rPr>
+              <a:t>is </a:t>
+            </a:r>
+            <a:r>
+              <a:rPr sz="4600" dirty="0">
+                <a:solidFill>
+                  <a:srgbClr val="535353"/>
+                </a:solidFill>
+              </a:rPr>
+              <a:t>a </a:t>
+            </a:r>
+            <a:r>
+              <a:rPr lang="en-US" sz="4600" dirty="0" smtClean="0">
+                <a:solidFill>
+                  <a:srgbClr val="535353"/>
+                </a:solidFill>
+              </a:rPr>
+              <a:t>collaborative endeavor</a:t>
+            </a:r>
+            <a:endParaRPr sz="4600" dirty="0">
               <a:solidFill>
-                <a:schemeClr val="tx1">
-                  <a:lumMod val="50000"/>
-                </a:schemeClr>
-              </a:solidFill>
-            </a:endParaRPr>
-          </a:p>
-          <a:p>
-            <a:pPr lvl="0">
-              <a:lnSpc>
-                <a:spcPct val="90000"/>
-              </a:lnSpc>
-              <a:defRPr sz="1800">
-                <a:solidFill>
-                  <a:srgbClr val="000000"/>
-                </a:solidFill>
-              </a:defRPr>
-            </a:pPr>
-            <a:r>
-              <a:rPr lang="en-US" sz="3600" dirty="0" smtClean="0">
-                <a:solidFill>
-                  <a:schemeClr val="tx1">
-                    <a:lumMod val="50000"/>
-                  </a:schemeClr>
-                </a:solidFill>
-              </a:rPr>
-              <a:t>Green: things are good</a:t>
-            </a:r>
-          </a:p>
-          <a:p>
-            <a:pPr lvl="0">
-              <a:lnSpc>
-                <a:spcPct val="90000"/>
-              </a:lnSpc>
-              <a:defRPr sz="1800">
-                <a:solidFill>
-                  <a:srgbClr val="000000"/>
-                </a:solidFill>
-              </a:defRPr>
-            </a:pPr>
-            <a:r>
-              <a:rPr lang="en-US" sz="3600" dirty="0" smtClean="0">
-                <a:solidFill>
-                  <a:schemeClr val="tx1">
-                    <a:lumMod val="50000"/>
-                  </a:schemeClr>
-                </a:solidFill>
-              </a:rPr>
-              <a:t>Red: need help</a:t>
-            </a:r>
-          </a:p>
-          <a:p>
-            <a:pPr lvl="0">
-              <a:lnSpc>
-                <a:spcPct val="90000"/>
-              </a:lnSpc>
-              <a:defRPr sz="1800">
-                <a:solidFill>
-                  <a:srgbClr val="000000"/>
-                </a:solidFill>
-              </a:defRPr>
-            </a:pPr>
-            <a:r>
-              <a:rPr lang="en-US" sz="3600" dirty="0" smtClean="0">
-                <a:solidFill>
-                  <a:schemeClr val="tx1">
-                    <a:lumMod val="50000"/>
-                  </a:schemeClr>
-                </a:solidFill>
-              </a:rPr>
-              <a:t>White: Done</a:t>
-            </a:r>
-          </a:p>
-          <a:p>
-            <a:pPr lvl="0">
-              <a:lnSpc>
-                <a:spcPct val="90000"/>
-              </a:lnSpc>
-              <a:defRPr sz="1800">
-                <a:solidFill>
-                  <a:srgbClr val="000000"/>
-                </a:solidFill>
-              </a:defRPr>
-            </a:pPr>
-            <a:r>
-              <a:rPr lang="en-US" sz="3600" dirty="0" smtClean="0">
-                <a:solidFill>
-                  <a:schemeClr val="tx1">
-                    <a:lumMod val="50000"/>
-                  </a:schemeClr>
-                </a:solidFill>
-              </a:rPr>
-              <a:t>Green and (especially) white offer help to red</a:t>
-            </a:r>
-            <a:endParaRPr sz="3600" dirty="0">
-              <a:solidFill>
-                <a:schemeClr val="tx1">
-                  <a:lumMod val="50000"/>
-                </a:schemeClr>
-              </a:solidFill>
-            </a:endParaRPr>
-          </a:p>
-          <a:p>
-            <a:pPr lvl="0">
-              <a:lnSpc>
-                <a:spcPct val="90000"/>
-              </a:lnSpc>
-              <a:defRPr sz="1800">
-                <a:solidFill>
-                  <a:srgbClr val="000000"/>
-                </a:solidFill>
-              </a:defRPr>
-            </a:pPr>
-            <a:r>
-              <a:rPr lang="en-US" sz="3600" dirty="0" smtClean="0">
-                <a:solidFill>
-                  <a:schemeClr val="tx1">
-                    <a:lumMod val="50000"/>
-                  </a:schemeClr>
-                </a:solidFill>
-              </a:rPr>
-              <a:t>Credit to Miriam </a:t>
-            </a:r>
-            <a:r>
-              <a:rPr lang="en-US" sz="3600" dirty="0" smtClean="0">
-                <a:solidFill>
-                  <a:schemeClr val="tx1">
-                    <a:lumMod val="50000"/>
-                  </a:schemeClr>
-                </a:solidFill>
-              </a:rPr>
-              <a:t>Posner and Deb </a:t>
-            </a:r>
-            <a:r>
-              <a:rPr lang="en-US" sz="3600" dirty="0" err="1" smtClean="0">
-                <a:solidFill>
-                  <a:schemeClr val="tx1">
-                    <a:lumMod val="50000"/>
-                  </a:schemeClr>
-                </a:solidFill>
-              </a:rPr>
-              <a:t>Verhoeven</a:t>
-            </a:r>
-            <a:endParaRPr sz="3600" dirty="0">
-              <a:solidFill>
-                <a:schemeClr val="tx1">
-                  <a:lumMod val="50000"/>
-                </a:schemeClr>
+                <a:srgbClr val="535353"/>
               </a:solidFill>
             </a:endParaRPr>
           </a:p>
         </p:txBody>
       </p:sp>
     </p:spTree>
-    <p:extLst>
-      <p:ext uri="{BB962C8B-B14F-4D97-AF65-F5344CB8AC3E}">
-        <p14:creationId xmlns:p14="http://schemas.microsoft.com/office/powerpoint/2010/main" val="3725044201"/>
-      </p:ext>
-    </p:extLst>
   </p:cSld>
   <p:clrMapOvr>
     <a:masterClrMapping/>
@@ -4412,7 +4443,7 @@
       </p:grpSpPr>
       <p:sp>
         <p:nvSpPr>
-          <p:cNvPr id="2" name="Title 1"/>
+          <p:cNvPr id="50" name="Shape 50"/>
           <p:cNvSpPr>
             <a:spLocks noGrp="1"/>
           </p:cNvSpPr>
@@ -4420,22 +4451,41 @@
             <p:ph type="title"/>
           </p:nvPr>
         </p:nvSpPr>
-        <p:spPr/>
+        <p:spPr>
+          <a:prstGeom prst="rect">
+            <a:avLst/>
+          </a:prstGeom>
+        </p:spPr>
         <p:txBody>
           <a:bodyPr/>
           <a:lstStyle/>
           <a:p>
-            <a:r>
-              <a:rPr lang="en-US" dirty="0" smtClean="0"/>
-              <a:t>slack</a:t>
-            </a:r>
-            <a:endParaRPr lang="en-US" dirty="0"/>
+            <a:pPr lvl="0">
+              <a:defRPr sz="1800" cap="none">
+                <a:solidFill>
+                  <a:srgbClr val="000000"/>
+                </a:solidFill>
+              </a:defRPr>
+            </a:pPr>
+            <a:r>
+              <a:rPr lang="en-US" sz="7200" cap="all" dirty="0" smtClean="0">
+                <a:solidFill>
+                  <a:srgbClr val="535353"/>
+                </a:solidFill>
+              </a:rPr>
+              <a:t>Post-it Notes</a:t>
+            </a:r>
+            <a:endParaRPr sz="7200" cap="all" dirty="0">
+              <a:solidFill>
+                <a:srgbClr val="535353"/>
+              </a:solidFill>
+            </a:endParaRPr>
           </a:p>
         </p:txBody>
       </p:sp>
       <p:sp>
         <p:nvSpPr>
-          <p:cNvPr id="3" name="Text Placeholder 2"/>
+          <p:cNvPr id="51" name="Shape 51"/>
           <p:cNvSpPr>
             <a:spLocks noGrp="1"/>
           </p:cNvSpPr>
@@ -4443,48 +4493,185 @@
             <p:ph type="body" idx="1"/>
           </p:nvPr>
         </p:nvSpPr>
-        <p:spPr/>
+        <p:spPr>
+          <a:prstGeom prst="rect">
+            <a:avLst/>
+          </a:prstGeom>
+        </p:spPr>
         <p:txBody>
-          <a:bodyPr/>
+          <a:bodyPr>
+            <a:noAutofit/>
+          </a:bodyPr>
           <a:lstStyle/>
           <a:p>
-            <a:r>
-              <a:rPr lang="en-US" dirty="0" smtClean="0"/>
-              <a:t>hum-</a:t>
-            </a:r>
-            <a:r>
-              <a:rPr lang="en-US" smtClean="0"/>
-              <a:t>programming.slack.com</a:t>
-            </a:r>
-            <a:endParaRPr lang="en-US" dirty="0" smtClean="0"/>
-          </a:p>
-          <a:p>
-            <a:r>
-              <a:rPr lang="en-US" dirty="0" smtClean="0"/>
-              <a:t>Another avenue for asking for help and sharing</a:t>
-            </a:r>
-          </a:p>
-          <a:p>
-            <a:r>
-              <a:rPr lang="en-US" dirty="0" smtClean="0"/>
-              <a:t>/</a:t>
-            </a:r>
-            <a:r>
-              <a:rPr lang="en-US" dirty="0" err="1" smtClean="0"/>
-              <a:t>giphy</a:t>
-            </a:r>
-            <a:r>
-              <a:rPr lang="en-US" dirty="0" smtClean="0"/>
-              <a:t> word</a:t>
-            </a:r>
-            <a:endParaRPr lang="en-US" dirty="0"/>
+            <a:pPr lvl="0">
+              <a:lnSpc>
+                <a:spcPct val="90000"/>
+              </a:lnSpc>
+              <a:defRPr sz="1800">
+                <a:solidFill>
+                  <a:srgbClr val="000000"/>
+                </a:solidFill>
+              </a:defRPr>
+            </a:pPr>
+            <a:r>
+              <a:rPr lang="en-US" sz="3600" dirty="0" smtClean="0">
+                <a:solidFill>
+                  <a:schemeClr val="tx1">
+                    <a:lumMod val="50000"/>
+                  </a:schemeClr>
+                </a:solidFill>
+              </a:rPr>
+              <a:t>All have three colors: Green, Red, White</a:t>
+            </a:r>
+            <a:endParaRPr sz="3600" dirty="0">
+              <a:solidFill>
+                <a:schemeClr val="tx1">
+                  <a:lumMod val="50000"/>
+                </a:schemeClr>
+              </a:solidFill>
+            </a:endParaRPr>
+          </a:p>
+          <a:p>
+            <a:pPr lvl="0">
+              <a:lnSpc>
+                <a:spcPct val="90000"/>
+              </a:lnSpc>
+              <a:defRPr sz="1800">
+                <a:solidFill>
+                  <a:srgbClr val="000000"/>
+                </a:solidFill>
+              </a:defRPr>
+            </a:pPr>
+            <a:r>
+              <a:rPr lang="en-US" sz="3600" dirty="0" smtClean="0">
+                <a:solidFill>
+                  <a:schemeClr val="tx1">
+                    <a:lumMod val="50000"/>
+                  </a:schemeClr>
+                </a:solidFill>
+              </a:rPr>
+              <a:t>Green: things are good</a:t>
+            </a:r>
+          </a:p>
+          <a:p>
+            <a:pPr lvl="0">
+              <a:lnSpc>
+                <a:spcPct val="90000"/>
+              </a:lnSpc>
+              <a:defRPr sz="1800">
+                <a:solidFill>
+                  <a:srgbClr val="000000"/>
+                </a:solidFill>
+              </a:defRPr>
+            </a:pPr>
+            <a:r>
+              <a:rPr lang="en-US" sz="3600" dirty="0" smtClean="0">
+                <a:solidFill>
+                  <a:schemeClr val="tx1">
+                    <a:lumMod val="50000"/>
+                  </a:schemeClr>
+                </a:solidFill>
+              </a:rPr>
+              <a:t>Red: need help</a:t>
+            </a:r>
+          </a:p>
+          <a:p>
+            <a:pPr lvl="0">
+              <a:lnSpc>
+                <a:spcPct val="90000"/>
+              </a:lnSpc>
+              <a:defRPr sz="1800">
+                <a:solidFill>
+                  <a:srgbClr val="000000"/>
+                </a:solidFill>
+              </a:defRPr>
+            </a:pPr>
+            <a:r>
+              <a:rPr lang="en-US" sz="3600" dirty="0" smtClean="0">
+                <a:solidFill>
+                  <a:schemeClr val="tx1">
+                    <a:lumMod val="50000"/>
+                  </a:schemeClr>
+                </a:solidFill>
+              </a:rPr>
+              <a:t>White: Done</a:t>
+            </a:r>
+          </a:p>
+          <a:p>
+            <a:pPr lvl="0">
+              <a:lnSpc>
+                <a:spcPct val="90000"/>
+              </a:lnSpc>
+              <a:defRPr sz="1800">
+                <a:solidFill>
+                  <a:srgbClr val="000000"/>
+                </a:solidFill>
+              </a:defRPr>
+            </a:pPr>
+            <a:r>
+              <a:rPr lang="en-US" sz="3600" dirty="0" smtClean="0">
+                <a:solidFill>
+                  <a:schemeClr val="tx1">
+                    <a:lumMod val="50000"/>
+                  </a:schemeClr>
+                </a:solidFill>
+              </a:rPr>
+              <a:t>Green and (especially) white offer help to red</a:t>
+            </a:r>
+            <a:endParaRPr sz="3600" dirty="0">
+              <a:solidFill>
+                <a:schemeClr val="tx1">
+                  <a:lumMod val="50000"/>
+                </a:schemeClr>
+              </a:solidFill>
+            </a:endParaRPr>
+          </a:p>
+          <a:p>
+            <a:pPr lvl="0">
+              <a:lnSpc>
+                <a:spcPct val="90000"/>
+              </a:lnSpc>
+              <a:defRPr sz="1800">
+                <a:solidFill>
+                  <a:srgbClr val="000000"/>
+                </a:solidFill>
+              </a:defRPr>
+            </a:pPr>
+            <a:r>
+              <a:rPr lang="en-US" sz="3600" dirty="0" smtClean="0">
+                <a:solidFill>
+                  <a:schemeClr val="tx1">
+                    <a:lumMod val="50000"/>
+                  </a:schemeClr>
+                </a:solidFill>
+              </a:rPr>
+              <a:t>Credit to Miriam Posner and Deb </a:t>
+            </a:r>
+            <a:r>
+              <a:rPr lang="en-US" sz="3600" dirty="0" err="1" smtClean="0">
+                <a:solidFill>
+                  <a:schemeClr val="tx1">
+                    <a:lumMod val="50000"/>
+                  </a:schemeClr>
+                </a:solidFill>
+              </a:rPr>
+              <a:t>Verhoeven</a:t>
+            </a:r>
+            <a:endParaRPr sz="3600" dirty="0">
+              <a:solidFill>
+                <a:schemeClr val="tx1">
+                  <a:lumMod val="50000"/>
+                </a:schemeClr>
+              </a:solidFill>
+            </a:endParaRPr>
           </a:p>
         </p:txBody>
       </p:sp>
     </p:spTree>
     <p:extLst>
       <p:ext uri="{BB962C8B-B14F-4D97-AF65-F5344CB8AC3E}">
-        <p14:creationId xmlns:p14="http://schemas.microsoft.com/office/powerpoint/2010/main" val="459141670"/>
+        <p14:creationId xmlns:p14="http://schemas.microsoft.com/office/powerpoint/2010/main" val="3725044201"/>
       </p:ext>
     </p:extLst>
   </p:cSld>
@@ -4492,6 +4679,13 @@
     <a:masterClrMapping/>
   </p:clrMapOvr>
   <p:transition xmlns:p14="http://schemas.microsoft.com/office/powerpoint/2010/main" spd="med"/>
+  <p:timing>
+    <p:tnLst>
+      <p:par>
+        <p:cTn xmlns:p14="http://schemas.microsoft.com/office/powerpoint/2010/main" id="1" dur="indefinite" restart="never" nodeType="tmRoot"/>
+      </p:par>
+    </p:tnLst>
+  </p:timing>
 </p:sld>
 </file>
 

--- a/2017/misc/intro.pptx
+++ b/2017/misc/intro.pptx
@@ -5,7 +5,7 @@
     <p:sldMasterId id="2147483648" r:id="rId1"/>
   </p:sldMasterIdLst>
   <p:notesMasterIdLst>
-    <p:notesMasterId r:id="rId16"/>
+    <p:notesMasterId r:id="rId17"/>
   </p:notesMasterIdLst>
   <p:sldIdLst>
     <p:sldId id="256" r:id="rId2"/>
@@ -22,6 +22,7 @@
     <p:sldId id="265" r:id="rId13"/>
     <p:sldId id="262" r:id="rId14"/>
     <p:sldId id="270" r:id="rId15"/>
+    <p:sldId id="272" r:id="rId16"/>
   </p:sldIdLst>
   <p:sldSz cx="13004800" cy="9753600"/>
   <p:notesSz cx="6858000" cy="9144000"/>
@@ -2606,11 +2607,7 @@
             </a:r>
             <a:r>
               <a:rPr lang="en-US" dirty="0" err="1" smtClean="0"/>
-              <a:t>institute</a:t>
-            </a:r>
-            <a:r>
-              <a:rPr lang="en-US" dirty="0" err="1" smtClean="0"/>
-              <a:t>.slack.com</a:t>
+              <a:t>institute.slack.com</a:t>
             </a:r>
             <a:endParaRPr lang="en-US" dirty="0" smtClean="0"/>
           </a:p>
@@ -3115,6 +3112,125 @@
     <p:extLst>
       <p:ext uri="{BB962C8B-B14F-4D97-AF65-F5344CB8AC3E}">
         <p14:creationId xmlns:p14="http://schemas.microsoft.com/office/powerpoint/2010/main" val="2261228573"/>
+      </p:ext>
+    </p:extLst>
+  </p:cSld>
+  <p:clrMapOvr>
+    <a:masterClrMapping/>
+  </p:clrMapOvr>
+  <p:transition xmlns:p14="http://schemas.microsoft.com/office/powerpoint/2010/main" spd="med"/>
+</p:sld>
+</file>
+
+<file path=ppt/slides/slide15.xml><?xml version="1.0" encoding="utf-8"?>
+<p:sld xmlns:a="http://schemas.openxmlformats.org/drawingml/2006/main" xmlns:r="http://schemas.openxmlformats.org/officeDocument/2006/relationships" xmlns:p="http://schemas.openxmlformats.org/presentationml/2006/main">
+  <p:cSld>
+    <p:spTree>
+      <p:nvGrpSpPr>
+        <p:cNvPr id="1" name=""/>
+        <p:cNvGrpSpPr/>
+        <p:nvPr/>
+      </p:nvGrpSpPr>
+      <p:grpSpPr>
+        <a:xfrm>
+          <a:off x="0" y="0"/>
+          <a:ext cx="0" cy="0"/>
+          <a:chOff x="0" y="0"/>
+          <a:chExt cx="0" cy="0"/>
+        </a:xfrm>
+      </p:grpSpPr>
+      <p:sp>
+        <p:nvSpPr>
+          <p:cNvPr id="2" name="Title 1"/>
+          <p:cNvSpPr>
+            <a:spLocks noGrp="1"/>
+          </p:cNvSpPr>
+          <p:nvPr>
+            <p:ph type="title"/>
+          </p:nvPr>
+        </p:nvSpPr>
+        <p:spPr/>
+        <p:txBody>
+          <a:bodyPr/>
+          <a:lstStyle/>
+          <a:p>
+            <a:r>
+              <a:rPr lang="en-US" dirty="0" smtClean="0"/>
+              <a:t>Virtual Box </a:t>
+            </a:r>
+            <a:r>
+              <a:rPr lang="mr-IN" dirty="0" smtClean="0"/>
+              <a:t>–</a:t>
+            </a:r>
+            <a:r>
+              <a:rPr lang="en-US" dirty="0" smtClean="0"/>
+              <a:t> Linux/Mint</a:t>
+            </a:r>
+            <a:endParaRPr lang="en-US" dirty="0"/>
+          </a:p>
+        </p:txBody>
+      </p:sp>
+      <p:sp>
+        <p:nvSpPr>
+          <p:cNvPr id="3" name="Text Placeholder 2"/>
+          <p:cNvSpPr>
+            <a:spLocks noGrp="1"/>
+          </p:cNvSpPr>
+          <p:nvPr>
+            <p:ph type="body" idx="1"/>
+          </p:nvPr>
+        </p:nvSpPr>
+        <p:spPr/>
+        <p:txBody>
+          <a:bodyPr>
+            <a:noAutofit/>
+          </a:bodyPr>
+          <a:lstStyle/>
+          <a:p>
+            <a:r>
+              <a:rPr lang="en-US" sz="3300" dirty="0" smtClean="0"/>
+              <a:t>UT is a Windows campus</a:t>
+            </a:r>
+          </a:p>
+          <a:p>
+            <a:r>
+              <a:rPr lang="en-US" sz="3300" dirty="0" smtClean="0"/>
+              <a:t>We're running a virtual box so everyone has the same OS.</a:t>
+            </a:r>
+          </a:p>
+          <a:p>
+            <a:r>
+              <a:rPr lang="en-US" sz="3300" dirty="0" smtClean="0"/>
+              <a:t>Functionally, your computer is pretending to be a different computer. Just need to know how to get to it.</a:t>
+            </a:r>
+          </a:p>
+          <a:p>
+            <a:r>
+              <a:rPr lang="en-US" sz="3300" dirty="0" smtClean="0"/>
+              <a:t>Will be </a:t>
+            </a:r>
+            <a:r>
+              <a:rPr lang="en-US" sz="3300" u="sng" dirty="0" smtClean="0"/>
+              <a:t>very</a:t>
+            </a:r>
+            <a:r>
+              <a:rPr lang="en-US" sz="3300" dirty="0" smtClean="0"/>
+              <a:t> similar to a Mac. Windows would be different.</a:t>
+            </a:r>
+          </a:p>
+          <a:p>
+            <a:r>
+              <a:rPr lang="en-US" sz="3300" dirty="0" smtClean="0"/>
+              <a:t>We can get things running on your computer throughout the week if you reach out to Brandon</a:t>
+            </a:r>
+            <a:endParaRPr lang="en-US" sz="3300" dirty="0"/>
+          </a:p>
+        </p:txBody>
+      </p:sp>
+    </p:spTree>
+    <p:extLst>
+      <p:ext uri="{BB962C8B-B14F-4D97-AF65-F5344CB8AC3E}">
+        <p14:creationId xmlns:p14="http://schemas.microsoft.com/office/powerpoint/2010/main" val="247635032"/>
       </p:ext>
     </p:extLst>
   </p:cSld>
@@ -4223,11 +4339,7 @@
           <a:p>
             <a:r>
               <a:rPr lang="en-US" dirty="0" smtClean="0"/>
-              <a:t>Play a game</a:t>
-            </a:r>
-            <a:r>
-              <a:rPr lang="en-US" dirty="0" smtClean="0"/>
-              <a:t>…Brandon loves icebreakers</a:t>
+              <a:t>Play a game…Brandon loves icebreakers</a:t>
             </a:r>
             <a:endParaRPr lang="en-US" dirty="0"/>
           </a:p>

--- a/2017/misc/intro.pptx
+++ b/2017/misc/intro.pptx
@@ -20,8 +20,8 @@
     <p:sldId id="269" r:id="rId11"/>
     <p:sldId id="263" r:id="rId12"/>
     <p:sldId id="265" r:id="rId13"/>
-    <p:sldId id="262" r:id="rId14"/>
-    <p:sldId id="270" r:id="rId15"/>
+    <p:sldId id="273" r:id="rId14"/>
+    <p:sldId id="262" r:id="rId15"/>
     <p:sldId id="272" r:id="rId16"/>
   </p:sldIdLst>
   <p:sldSz cx="13004800" cy="9753600"/>
@@ -2833,7 +2833,7 @@
       </p:grpSpPr>
       <p:sp>
         <p:nvSpPr>
-          <p:cNvPr id="53" name="Shape 53"/>
+          <p:cNvPr id="2" name="Title 1"/>
           <p:cNvSpPr>
             <a:spLocks noGrp="1"/>
           </p:cNvSpPr>
@@ -2841,36 +2841,22 @@
             <p:ph type="title"/>
           </p:nvPr>
         </p:nvSpPr>
-        <p:spPr>
-          <a:prstGeom prst="rect">
-            <a:avLst/>
-          </a:prstGeom>
-        </p:spPr>
+        <p:spPr/>
         <p:txBody>
           <a:bodyPr/>
           <a:lstStyle/>
           <a:p>
-            <a:pPr lvl="0">
-              <a:defRPr sz="1800" cap="none">
-                <a:solidFill>
-                  <a:srgbClr val="000000"/>
-                </a:solidFill>
-              </a:defRPr>
-            </a:pPr>
-            <a:r>
-              <a:rPr sz="7200" cap="all">
-                <a:solidFill>
-                  <a:srgbClr val="535353"/>
-                </a:solidFill>
-              </a:rPr>
-              <a:t>Introductions</a:t>
-            </a:r>
+            <a:r>
+              <a:rPr lang="en-US" dirty="0" smtClean="0"/>
+              <a:t>Changes to the course</a:t>
+            </a:r>
+            <a:endParaRPr lang="en-US" dirty="0"/>
           </a:p>
         </p:txBody>
       </p:sp>
       <p:sp>
         <p:nvSpPr>
-          <p:cNvPr id="54" name="Shape 54"/>
+          <p:cNvPr id="3" name="Text Placeholder 2"/>
           <p:cNvSpPr>
             <a:spLocks noGrp="1"/>
           </p:cNvSpPr>
@@ -2878,137 +2864,53 @@
             <p:ph type="body" idx="1"/>
           </p:nvPr>
         </p:nvSpPr>
-        <p:spPr>
-          <a:prstGeom prst="rect">
-            <a:avLst/>
-          </a:prstGeom>
-        </p:spPr>
+        <p:spPr/>
         <p:txBody>
           <a:bodyPr>
-            <a:normAutofit/>
+            <a:normAutofit lnSpcReduction="10000"/>
           </a:bodyPr>
           <a:lstStyle/>
           <a:p>
-            <a:pPr lvl="0">
-              <a:defRPr sz="1800">
-                <a:solidFill>
-                  <a:srgbClr val="000000"/>
-                </a:solidFill>
-              </a:defRPr>
-            </a:pPr>
-            <a:r>
-              <a:rPr sz="4300" dirty="0">
-                <a:solidFill>
-                  <a:srgbClr val="535353"/>
-                </a:solidFill>
-              </a:rPr>
-              <a:t>What is your name?</a:t>
-            </a:r>
-          </a:p>
-          <a:p>
-            <a:pPr lvl="0">
-              <a:defRPr sz="1800">
-                <a:solidFill>
-                  <a:srgbClr val="000000"/>
-                </a:solidFill>
-              </a:defRPr>
-            </a:pPr>
-            <a:r>
-              <a:rPr sz="4300" dirty="0">
-                <a:solidFill>
-                  <a:srgbClr val="535353"/>
-                </a:solidFill>
-              </a:rPr>
-              <a:t>What institution are you from</a:t>
-            </a:r>
-            <a:r>
-              <a:rPr sz="4300" dirty="0" smtClean="0">
-                <a:solidFill>
-                  <a:srgbClr val="535353"/>
-                </a:solidFill>
-              </a:rPr>
-              <a:t>?</a:t>
-            </a:r>
-            <a:endParaRPr sz="4300" dirty="0">
-              <a:solidFill>
-                <a:srgbClr val="535353"/>
-              </a:solidFill>
-            </a:endParaRPr>
-          </a:p>
-          <a:p>
-            <a:pPr lvl="0">
-              <a:defRPr sz="1800">
-                <a:solidFill>
-                  <a:srgbClr val="000000"/>
-                </a:solidFill>
-              </a:defRPr>
-            </a:pPr>
-            <a:r>
-              <a:rPr lang="en-US" sz="4300" dirty="0" smtClean="0">
-                <a:solidFill>
-                  <a:srgbClr val="535353"/>
-                </a:solidFill>
-              </a:rPr>
-              <a:t>What is your background with programming/tech/DH?</a:t>
-            </a:r>
-          </a:p>
-          <a:p>
-            <a:pPr lvl="0">
-              <a:defRPr sz="1800">
-                <a:solidFill>
-                  <a:srgbClr val="000000"/>
-                </a:solidFill>
-              </a:defRPr>
-            </a:pPr>
-            <a:r>
-              <a:rPr lang="en-US" sz="4300" dirty="0" smtClean="0">
-                <a:solidFill>
-                  <a:srgbClr val="535353"/>
-                </a:solidFill>
-              </a:rPr>
-              <a:t>What is o</a:t>
-            </a:r>
-            <a:r>
-              <a:rPr sz="4300" dirty="0" smtClean="0">
-                <a:solidFill>
-                  <a:srgbClr val="535353"/>
-                </a:solidFill>
-              </a:rPr>
-              <a:t>ne </a:t>
-            </a:r>
-            <a:r>
-              <a:rPr sz="4300" dirty="0">
-                <a:solidFill>
-                  <a:srgbClr val="535353"/>
-                </a:solidFill>
-              </a:rPr>
-              <a:t>thing you want to learn this </a:t>
-            </a:r>
-            <a:r>
-              <a:rPr sz="4300" dirty="0" smtClean="0">
-                <a:solidFill>
-                  <a:srgbClr val="535353"/>
-                </a:solidFill>
-              </a:rPr>
-              <a:t>week</a:t>
-            </a:r>
-            <a:r>
-              <a:rPr lang="en-US" sz="4300" dirty="0" smtClean="0">
-                <a:solidFill>
-                  <a:srgbClr val="535353"/>
-                </a:solidFill>
-              </a:rPr>
-              <a:t>?</a:t>
-            </a:r>
-            <a:endParaRPr sz="4300" dirty="0">
-              <a:solidFill>
-                <a:srgbClr val="535353"/>
-              </a:solidFill>
-            </a:endParaRPr>
+            <a:r>
+              <a:rPr lang="en-US" dirty="0" smtClean="0"/>
+              <a:t>Ruby swapped for Python</a:t>
+            </a:r>
+          </a:p>
+          <a:p>
+            <a:pPr lvl="1"/>
+            <a:r>
+              <a:rPr lang="en-US" dirty="0" smtClean="0"/>
+              <a:t>Enforces good style and practices</a:t>
+            </a:r>
+          </a:p>
+          <a:p>
+            <a:r>
+              <a:rPr lang="en-US" dirty="0" smtClean="0"/>
+              <a:t>Rails swapped for working with data</a:t>
+            </a:r>
+          </a:p>
+          <a:p>
+            <a:pPr lvl="1"/>
+            <a:r>
+              <a:rPr lang="en-US" dirty="0" smtClean="0"/>
+              <a:t>More likely to be immediately useful for you</a:t>
+            </a:r>
+          </a:p>
+          <a:p>
+            <a:pPr lvl="1"/>
+            <a:r>
+              <a:rPr lang="en-US" dirty="0" smtClean="0"/>
+              <a:t>Targeted towards clearer audience (hopefully)</a:t>
+            </a:r>
           </a:p>
         </p:txBody>
       </p:sp>
     </p:spTree>
+    <p:extLst>
+      <p:ext uri="{BB962C8B-B14F-4D97-AF65-F5344CB8AC3E}">
+        <p14:creationId xmlns:p14="http://schemas.microsoft.com/office/powerpoint/2010/main" val="1725812755"/>
+      </p:ext>
+    </p:extLst>
   </p:cSld>
   <p:clrMapOvr>
     <a:masterClrMapping/>
@@ -3036,7 +2938,7 @@
       </p:grpSpPr>
       <p:sp>
         <p:nvSpPr>
-          <p:cNvPr id="2" name="Title 1"/>
+          <p:cNvPr id="53" name="Shape 53"/>
           <p:cNvSpPr>
             <a:spLocks noGrp="1"/>
           </p:cNvSpPr>
@@ -3044,22 +2946,36 @@
             <p:ph type="title"/>
           </p:nvPr>
         </p:nvSpPr>
-        <p:spPr/>
+        <p:spPr>
+          <a:prstGeom prst="rect">
+            <a:avLst/>
+          </a:prstGeom>
+        </p:spPr>
         <p:txBody>
           <a:bodyPr/>
           <a:lstStyle/>
           <a:p>
-            <a:r>
-              <a:rPr lang="en-US" dirty="0" smtClean="0"/>
-              <a:t>Changes to the course</a:t>
-            </a:r>
-            <a:endParaRPr lang="en-US" dirty="0"/>
+            <a:pPr lvl="0">
+              <a:defRPr sz="1800" cap="none">
+                <a:solidFill>
+                  <a:srgbClr val="000000"/>
+                </a:solidFill>
+              </a:defRPr>
+            </a:pPr>
+            <a:r>
+              <a:rPr sz="7200" cap="all">
+                <a:solidFill>
+                  <a:srgbClr val="535353"/>
+                </a:solidFill>
+              </a:rPr>
+              <a:t>Introductions</a:t>
+            </a:r>
           </a:p>
         </p:txBody>
       </p:sp>
       <p:sp>
         <p:nvSpPr>
-          <p:cNvPr id="3" name="Text Placeholder 2"/>
+          <p:cNvPr id="54" name="Shape 54"/>
           <p:cNvSpPr>
             <a:spLocks noGrp="1"/>
           </p:cNvSpPr>
@@ -3067,53 +2983,137 @@
             <p:ph type="body" idx="1"/>
           </p:nvPr>
         </p:nvSpPr>
-        <p:spPr/>
+        <p:spPr>
+          <a:prstGeom prst="rect">
+            <a:avLst/>
+          </a:prstGeom>
+        </p:spPr>
         <p:txBody>
           <a:bodyPr>
-            <a:normAutofit lnSpcReduction="10000"/>
+            <a:normAutofit/>
           </a:bodyPr>
           <a:lstStyle/>
           <a:p>
-            <a:r>
-              <a:rPr lang="en-US" dirty="0" smtClean="0"/>
-              <a:t>Ruby swapped for Python</a:t>
-            </a:r>
-          </a:p>
-          <a:p>
-            <a:pPr lvl="1"/>
-            <a:r>
-              <a:rPr lang="en-US" dirty="0" smtClean="0"/>
-              <a:t>Enforces good style and practices</a:t>
-            </a:r>
-          </a:p>
-          <a:p>
-            <a:r>
-              <a:rPr lang="en-US" dirty="0" smtClean="0"/>
-              <a:t>Rails swapped for working with data</a:t>
-            </a:r>
-          </a:p>
-          <a:p>
-            <a:pPr lvl="1"/>
-            <a:r>
-              <a:rPr lang="en-US" dirty="0" smtClean="0"/>
-              <a:t>More likely to be immediately useful for you</a:t>
-            </a:r>
-          </a:p>
-          <a:p>
-            <a:pPr lvl="1"/>
-            <a:r>
-              <a:rPr lang="en-US" dirty="0" smtClean="0"/>
-              <a:t>Targeted towards clearer audience (hopefully)</a:t>
-            </a:r>
+            <a:pPr lvl="0">
+              <a:defRPr sz="1800">
+                <a:solidFill>
+                  <a:srgbClr val="000000"/>
+                </a:solidFill>
+              </a:defRPr>
+            </a:pPr>
+            <a:r>
+              <a:rPr sz="4300" dirty="0">
+                <a:solidFill>
+                  <a:srgbClr val="535353"/>
+                </a:solidFill>
+              </a:rPr>
+              <a:t>What is your name?</a:t>
+            </a:r>
+          </a:p>
+          <a:p>
+            <a:pPr lvl="0">
+              <a:defRPr sz="1800">
+                <a:solidFill>
+                  <a:srgbClr val="000000"/>
+                </a:solidFill>
+              </a:defRPr>
+            </a:pPr>
+            <a:r>
+              <a:rPr sz="4300" dirty="0">
+                <a:solidFill>
+                  <a:srgbClr val="535353"/>
+                </a:solidFill>
+              </a:rPr>
+              <a:t>What institution are you from</a:t>
+            </a:r>
+            <a:r>
+              <a:rPr sz="4300" dirty="0" smtClean="0">
+                <a:solidFill>
+                  <a:srgbClr val="535353"/>
+                </a:solidFill>
+              </a:rPr>
+              <a:t>?</a:t>
+            </a:r>
+            <a:endParaRPr sz="4300" dirty="0">
+              <a:solidFill>
+                <a:srgbClr val="535353"/>
+              </a:solidFill>
+            </a:endParaRPr>
+          </a:p>
+          <a:p>
+            <a:pPr lvl="0">
+              <a:defRPr sz="1800">
+                <a:solidFill>
+                  <a:srgbClr val="000000"/>
+                </a:solidFill>
+              </a:defRPr>
+            </a:pPr>
+            <a:r>
+              <a:rPr lang="en-US" sz="4300" dirty="0" smtClean="0">
+                <a:solidFill>
+                  <a:srgbClr val="535353"/>
+                </a:solidFill>
+              </a:rPr>
+              <a:t>What is your background with programming/tech/DH?</a:t>
+            </a:r>
+          </a:p>
+          <a:p>
+            <a:pPr lvl="0">
+              <a:defRPr sz="1800">
+                <a:solidFill>
+                  <a:srgbClr val="000000"/>
+                </a:solidFill>
+              </a:defRPr>
+            </a:pPr>
+            <a:r>
+              <a:rPr lang="en-US" sz="4300" dirty="0" smtClean="0">
+                <a:solidFill>
+                  <a:srgbClr val="535353"/>
+                </a:solidFill>
+              </a:rPr>
+              <a:t>What is o</a:t>
+            </a:r>
+            <a:r>
+              <a:rPr sz="4300" dirty="0" smtClean="0">
+                <a:solidFill>
+                  <a:srgbClr val="535353"/>
+                </a:solidFill>
+              </a:rPr>
+              <a:t>ne </a:t>
+            </a:r>
+            <a:r>
+              <a:rPr sz="4300" dirty="0">
+                <a:solidFill>
+                  <a:srgbClr val="535353"/>
+                </a:solidFill>
+              </a:rPr>
+              <a:t>thing you want to learn this </a:t>
+            </a:r>
+            <a:r>
+              <a:rPr sz="4300" dirty="0" smtClean="0">
+                <a:solidFill>
+                  <a:srgbClr val="535353"/>
+                </a:solidFill>
+              </a:rPr>
+              <a:t>week</a:t>
+            </a:r>
+            <a:r>
+              <a:rPr lang="en-US" sz="4300" dirty="0" smtClean="0">
+                <a:solidFill>
+                  <a:srgbClr val="535353"/>
+                </a:solidFill>
+              </a:rPr>
+              <a:t>?</a:t>
+            </a:r>
+            <a:endParaRPr sz="4300" dirty="0">
+              <a:solidFill>
+                <a:srgbClr val="535353"/>
+              </a:solidFill>
+            </a:endParaRPr>
           </a:p>
         </p:txBody>
       </p:sp>
     </p:spTree>
-    <p:extLst>
-      <p:ext uri="{BB962C8B-B14F-4D97-AF65-F5344CB8AC3E}">
-        <p14:creationId xmlns:p14="http://schemas.microsoft.com/office/powerpoint/2010/main" val="2261228573"/>
-      </p:ext>
-    </p:extLst>
   </p:cSld>
   <p:clrMapOvr>
     <a:masterClrMapping/>
